--- a/src/site/discrete2021/slides/week01-chapter01_1.pptx
+++ b/src/site/discrete2021/slides/week01-chapter01_1.pptx
@@ -226,7 +226,7 @@
           <a:p>
             <a:fld id="{21C6C08E-8AD4-46C5-BAC9-3D04C6463705}" type="datetimeFigureOut">
               <a:rPr lang="lv-LV" smtClean="0"/>
-              <a:t>11.01.2021</a:t>
+              <a:t>28.01.2021</a:t>
             </a:fld>
             <a:endParaRPr lang="lv-LV"/>
           </a:p>
@@ -747,7 +747,7 @@
           <a:p>
             <a:fld id="{5ADEB7B1-3A76-4692-AABD-C23989DC5F71}" type="datetimeFigureOut">
               <a:rPr lang="lv-LV" smtClean="0"/>
-              <a:t>11.01.2021</a:t>
+              <a:t>28.01.2021</a:t>
             </a:fld>
             <a:endParaRPr lang="lv-LV"/>
           </a:p>
@@ -917,7 +917,7 @@
           <a:p>
             <a:fld id="{5ADEB7B1-3A76-4692-AABD-C23989DC5F71}" type="datetimeFigureOut">
               <a:rPr lang="lv-LV" smtClean="0"/>
-              <a:t>11.01.2021</a:t>
+              <a:t>28.01.2021</a:t>
             </a:fld>
             <a:endParaRPr lang="lv-LV"/>
           </a:p>
@@ -1097,7 +1097,7 @@
           <a:p>
             <a:fld id="{5ADEB7B1-3A76-4692-AABD-C23989DC5F71}" type="datetimeFigureOut">
               <a:rPr lang="lv-LV" smtClean="0"/>
-              <a:t>11.01.2021</a:t>
+              <a:t>28.01.2021</a:t>
             </a:fld>
             <a:endParaRPr lang="lv-LV"/>
           </a:p>
@@ -1267,7 +1267,7 @@
           <a:p>
             <a:fld id="{5ADEB7B1-3A76-4692-AABD-C23989DC5F71}" type="datetimeFigureOut">
               <a:rPr lang="lv-LV" smtClean="0"/>
-              <a:t>11.01.2021</a:t>
+              <a:t>28.01.2021</a:t>
             </a:fld>
             <a:endParaRPr lang="lv-LV"/>
           </a:p>
@@ -1513,7 +1513,7 @@
           <a:p>
             <a:fld id="{5ADEB7B1-3A76-4692-AABD-C23989DC5F71}" type="datetimeFigureOut">
               <a:rPr lang="lv-LV" smtClean="0"/>
-              <a:t>11.01.2021</a:t>
+              <a:t>28.01.2021</a:t>
             </a:fld>
             <a:endParaRPr lang="lv-LV"/>
           </a:p>
@@ -1745,7 +1745,7 @@
           <a:p>
             <a:fld id="{5ADEB7B1-3A76-4692-AABD-C23989DC5F71}" type="datetimeFigureOut">
               <a:rPr lang="lv-LV" smtClean="0"/>
-              <a:t>11.01.2021</a:t>
+              <a:t>28.01.2021</a:t>
             </a:fld>
             <a:endParaRPr lang="lv-LV"/>
           </a:p>
@@ -2112,7 +2112,7 @@
           <a:p>
             <a:fld id="{5ADEB7B1-3A76-4692-AABD-C23989DC5F71}" type="datetimeFigureOut">
               <a:rPr lang="lv-LV" smtClean="0"/>
-              <a:t>11.01.2021</a:t>
+              <a:t>28.01.2021</a:t>
             </a:fld>
             <a:endParaRPr lang="lv-LV"/>
           </a:p>
@@ -2230,7 +2230,7 @@
           <a:p>
             <a:fld id="{5ADEB7B1-3A76-4692-AABD-C23989DC5F71}" type="datetimeFigureOut">
               <a:rPr lang="lv-LV" smtClean="0"/>
-              <a:t>11.01.2021</a:t>
+              <a:t>28.01.2021</a:t>
             </a:fld>
             <a:endParaRPr lang="lv-LV"/>
           </a:p>
@@ -2325,7 +2325,7 @@
           <a:p>
             <a:fld id="{5ADEB7B1-3A76-4692-AABD-C23989DC5F71}" type="datetimeFigureOut">
               <a:rPr lang="lv-LV" smtClean="0"/>
-              <a:t>11.01.2021</a:t>
+              <a:t>28.01.2021</a:t>
             </a:fld>
             <a:endParaRPr lang="lv-LV"/>
           </a:p>
@@ -2602,7 +2602,7 @@
           <a:p>
             <a:fld id="{5ADEB7B1-3A76-4692-AABD-C23989DC5F71}" type="datetimeFigureOut">
               <a:rPr lang="lv-LV" smtClean="0"/>
-              <a:t>11.01.2021</a:t>
+              <a:t>28.01.2021</a:t>
             </a:fld>
             <a:endParaRPr lang="lv-LV"/>
           </a:p>
@@ -2855,7 +2855,7 @@
           <a:p>
             <a:fld id="{5ADEB7B1-3A76-4692-AABD-C23989DC5F71}" type="datetimeFigureOut">
               <a:rPr lang="lv-LV" smtClean="0"/>
-              <a:t>11.01.2021</a:t>
+              <a:t>28.01.2021</a:t>
             </a:fld>
             <a:endParaRPr lang="lv-LV"/>
           </a:p>
@@ -3068,7 +3068,7 @@
           <a:p>
             <a:fld id="{5ADEB7B1-3A76-4692-AABD-C23989DC5F71}" type="datetimeFigureOut">
               <a:rPr lang="lv-LV" smtClean="0"/>
-              <a:t>11.01.2021</a:t>
+              <a:t>28.01.2021</a:t>
             </a:fld>
             <a:endParaRPr lang="lv-LV"/>
           </a:p>
@@ -11393,8 +11393,20 @@
           <a:lstStyle/>
           <a:p>
             <a:r>
+              <a:rPr lang="lv-LV" sz="3200" b="1" dirty="0" smtClean="0"/>
+              <a:t>IF</a:t>
+            </a:r>
+            <a:r>
               <a:rPr lang="en-US" sz="3200" dirty="0" smtClean="0"/>
-              <a:t>If today is Thursday, then tomorrow is Sunday.</a:t>
+              <a:t> today is Thursday, </a:t>
+            </a:r>
+            <a:r>
+              <a:rPr lang="lv-LV" sz="3200" b="1" dirty="0" smtClean="0"/>
+              <a:t>THEN</a:t>
+            </a:r>
+            <a:r>
+              <a:rPr lang="en-US" sz="3200" dirty="0" smtClean="0"/>
+              <a:t> tomorrow is Sunday.</a:t>
             </a:r>
           </a:p>
           <a:p>
@@ -11418,7 +11430,14 @@
           <a:p>
             <a:r>
               <a:rPr lang="lv-LV" sz="3200" dirty="0" smtClean="0"/>
-              <a:t>If so, is it true or false?</a:t>
+              <a:t>If so, is it true or false?  </a:t>
+            </a:r>
+            <a:br>
+              <a:rPr lang="lv-LV" sz="3200" dirty="0" smtClean="0"/>
+            </a:br>
+            <a:r>
+              <a:rPr lang="lv-LV" sz="3200" dirty="0" smtClean="0"/>
+              <a:t>(Assume that today is Monday.)</a:t>
             </a:r>
             <a:endParaRPr lang="lv-LV" sz="3200" dirty="0"/>
           </a:p>
@@ -11432,7 +11451,7 @@
         </p:nvSpPr>
         <p:spPr>
           <a:xfrm rot="5400000">
-            <a:off x="2557365" y="1325724"/>
+            <a:off x="2784100" y="1325724"/>
             <a:ext cx="381000" cy="2453951"/>
           </a:xfrm>
           <a:prstGeom prst="rightBrace">
@@ -11470,7 +11489,7 @@
         </p:nvSpPr>
         <p:spPr>
           <a:xfrm>
-            <a:off x="1909664" y="2866072"/>
+            <a:off x="1858970" y="2866072"/>
             <a:ext cx="2231261" cy="1052785"/>
           </a:xfrm>
           <a:prstGeom prst="rect">
@@ -11525,8 +11544,8 @@
         </p:nvSpPr>
         <p:spPr>
           <a:xfrm rot="5400000">
-            <a:off x="6451963" y="482237"/>
-            <a:ext cx="381000" cy="4140926"/>
+            <a:off x="7163888" y="854528"/>
+            <a:ext cx="381000" cy="3396343"/>
           </a:xfrm>
           <a:prstGeom prst="rightBrace">
             <a:avLst/>
@@ -11563,7 +11582,7 @@
         </p:nvSpPr>
         <p:spPr>
           <a:xfrm>
-            <a:off x="5804262" y="2912971"/>
+            <a:off x="6122125" y="2912971"/>
             <a:ext cx="2464527" cy="1005886"/>
           </a:xfrm>
           <a:prstGeom prst="rect">
@@ -14681,7 +14700,7 @@
           <a:p>
             <a:r>
               <a:rPr lang="lv-LV" dirty="0" smtClean="0"/>
-              <a:t>Real-life example</a:t>
+              <a:t>Real-world Scenario</a:t>
             </a:r>
             <a:endParaRPr lang="lv-LV" dirty="0"/>
           </a:p>
@@ -14697,9 +14716,16 @@
             <p:ph idx="1"/>
           </p:nvPr>
         </p:nvSpPr>
-        <p:spPr/>
+        <p:spPr>
+          <a:xfrm>
+            <a:off x="838200" y="1528354"/>
+            <a:ext cx="10515600" cy="4648609"/>
+          </a:xfrm>
+        </p:spPr>
         <p:txBody>
-          <a:bodyPr/>
+          <a:bodyPr>
+            <a:normAutofit fontScale="92500" lnSpcReduction="20000"/>
+          </a:bodyPr>
           <a:lstStyle/>
           <a:p>
             <a:pPr marL="0" indent="0">
@@ -14764,13 +14790,14 @@
             </a:r>
             <a:r>
               <a:rPr lang="lv-LV" b="1" dirty="0" smtClean="0"/>
-              <a:t>)</a:t>
-            </a:r>
-          </a:p>
-          <a:p>
-            <a:r>
-              <a:rPr lang="lv-LV" dirty="0" smtClean="0"/>
-              <a:t>If one dies from Covid-19, then s/he does not celebrate Christmas</a:t>
+              <a:t>): </a:t>
+            </a:r>
+            <a:br>
+              <a:rPr lang="lv-LV" b="1" dirty="0" smtClean="0"/>
+            </a:br>
+            <a:r>
+              <a:rPr lang="lv-LV" i="1" dirty="0" smtClean="0"/>
+              <a:t>"If one dies from Covid-19, then s/he does not celebrate Christmas"</a:t>
             </a:r>
           </a:p>
           <a:p>
@@ -14778,8 +14805,23 @@
               <a:buNone/>
             </a:pPr>
             <a:r>
+              <a:rPr lang="lv-LV" dirty="0" smtClean="0"/>
+              <a:t>Write modified implications in natural language:</a:t>
+            </a:r>
+            <a:r>
+              <a:rPr lang="lv-LV" b="1" smtClean="0"/>
+              <a:t/>
+            </a:r>
+            <a:br>
+              <a:rPr lang="lv-LV" b="1" smtClean="0"/>
+            </a:br>
+            <a:r>
+              <a:rPr lang="lv-LV" b="1" smtClean="0"/>
+              <a:t>Contrapositive </a:t>
+            </a:r>
+            <a:r>
               <a:rPr lang="lv-LV" b="1" dirty="0" smtClean="0"/>
-              <a:t>Counterpositive implication (</a:t>
+              <a:t>implication (</a:t>
             </a:r>
             <a:r>
               <a:rPr lang="en-US" dirty="0">
@@ -14820,14 +14862,22 @@
               <a:rPr lang="lv-LV" b="1" dirty="0" smtClean="0"/>
               <a:t>): </a:t>
             </a:r>
+            <a:r>
+              <a:rPr lang="lv-LV" dirty="0" smtClean="0"/>
+              <a:t>______</a:t>
+            </a:r>
           </a:p>
           <a:p>
             <a:pPr marL="0" indent="0">
               <a:buNone/>
             </a:pPr>
             <a:r>
+              <a:rPr lang="lv-LV" b="1" dirty="0" smtClean="0"/>
+              <a:t>Inverse implication</a:t>
+            </a:r>
+            <a:r>
               <a:rPr lang="lv-LV" dirty="0" smtClean="0"/>
-              <a:t>(Inverse (</a:t>
+              <a:t> (</a:t>
             </a:r>
             <a:r>
               <a:rPr lang="en-US" dirty="0">
@@ -14863,84 +14913,168 @@
             </a:r>
             <a:r>
               <a:rPr lang="lv-LV" dirty="0" smtClean="0"/>
-              <a:t>)): </a:t>
+              <a:t>):  </a:t>
+            </a:r>
+            <a:r>
+              <a:rPr lang="lv-LV" b="1" dirty="0"/>
+              <a:t> </a:t>
+            </a:r>
+            <a:r>
+              <a:rPr lang="lv-LV" dirty="0"/>
+              <a:t>______</a:t>
+            </a:r>
+          </a:p>
+          <a:p>
+            <a:pPr marL="0" indent="0">
+              <a:buNone/>
+            </a:pPr>
+            <a:r>
+              <a:rPr lang="lv-LV" b="1" dirty="0" smtClean="0"/>
+              <a:t>Converse implication</a:t>
+            </a:r>
+            <a:r>
+              <a:rPr lang="lv-LV" dirty="0" smtClean="0"/>
+              <a:t>(</a:t>
+            </a:r>
+            <a:r>
+              <a:rPr lang="lv-LV" i="1" dirty="0" smtClean="0">
+                <a:latin typeface="Cambria Math" pitchFamily="18" charset="0"/>
+                <a:ea typeface="Cambria Math" pitchFamily="18" charset="0"/>
+              </a:rPr>
+              <a:t>q</a:t>
+            </a:r>
+            <a:r>
+              <a:rPr lang="en-US" i="1" dirty="0" smtClean="0">
+                <a:latin typeface="Cambria Math" pitchFamily="18" charset="0"/>
+                <a:ea typeface="Cambria Math" pitchFamily="18" charset="0"/>
+              </a:rPr>
+              <a:t> </a:t>
+            </a:r>
+            <a:r>
+              <a:rPr lang="en-US" dirty="0">
+                <a:latin typeface="Cambria Math"/>
+                <a:ea typeface="Cambria Math"/>
+              </a:rPr>
+              <a:t>→ </a:t>
+            </a:r>
+            <a:r>
+              <a:rPr lang="en-US" i="1" dirty="0" smtClean="0">
+                <a:latin typeface="Cambria Math" pitchFamily="18" charset="0"/>
+                <a:ea typeface="Cambria Math" pitchFamily="18" charset="0"/>
+              </a:rPr>
+              <a:t>p</a:t>
+            </a:r>
+            <a:r>
+              <a:rPr lang="lv-LV" dirty="0" smtClean="0">
+                <a:latin typeface="Cambria Math" pitchFamily="18" charset="0"/>
+                <a:ea typeface="Cambria Math" pitchFamily="18" charset="0"/>
+              </a:rPr>
+              <a:t>):  </a:t>
+            </a:r>
+            <a:r>
+              <a:rPr lang="lv-LV" b="1" dirty="0"/>
+              <a:t> </a:t>
+            </a:r>
+            <a:r>
+              <a:rPr lang="lv-LV" dirty="0" smtClean="0"/>
+              <a:t>______</a:t>
+            </a:r>
+            <a:endParaRPr lang="lv-LV" b="1" dirty="0" smtClean="0"/>
+          </a:p>
+          <a:p>
+            <a:pPr marL="0" indent="0">
+              <a:buNone/>
+            </a:pPr>
+            <a:r>
+              <a:rPr lang="lv-LV" dirty="0"/>
+              <a:t>Which one is </a:t>
+            </a:r>
+            <a:r>
+              <a:rPr lang="lv-LV" dirty="0" smtClean="0"/>
+              <a:t>logically equivalent to the original proposition?</a:t>
+            </a:r>
+          </a:p>
+          <a:p>
+            <a:pPr marL="0" indent="0">
+              <a:buNone/>
+            </a:pPr>
+            <a:r>
+              <a:rPr lang="lv-LV" b="1" dirty="0" smtClean="0"/>
+              <a:t/>
+            </a:r>
+            <a:br>
+              <a:rPr lang="lv-LV" b="1" dirty="0" smtClean="0"/>
+            </a:br>
+            <a:r>
+              <a:rPr lang="lv-LV" b="1" dirty="0" smtClean="0"/>
+              <a:t>Note: </a:t>
+            </a:r>
+            <a:r>
+              <a:rPr lang="lv-LV" dirty="0" smtClean="0"/>
+              <a:t>When writing contrapositives etc. – avoid double negatives.</a:t>
             </a:r>
             <a:br>
               <a:rPr lang="lv-LV" dirty="0" smtClean="0"/>
             </a:br>
             <a:r>
               <a:rPr lang="lv-LV" dirty="0" smtClean="0"/>
-              <a:t>(Converse (</a:t>
+              <a:t>(</a:t>
+            </a:r>
+            <a:r>
+              <a:rPr lang="lv-LV" dirty="0" smtClean="0">
+                <a:latin typeface="Cambria Math" pitchFamily="18" charset="0"/>
+                <a:ea typeface="Cambria Math" pitchFamily="18" charset="0"/>
+              </a:rPr>
+              <a:t>"</a:t>
             </a:r>
             <a:r>
               <a:rPr lang="lv-LV" i="1" dirty="0" smtClean="0">
                 <a:latin typeface="Cambria Math" pitchFamily="18" charset="0"/>
                 <a:ea typeface="Cambria Math" pitchFamily="18" charset="0"/>
               </a:rPr>
-              <a:t>q</a:t>
-            </a:r>
-            <a:r>
-              <a:rPr lang="en-US" i="1" dirty="0" smtClean="0">
+              <a:t>It is </a:t>
+            </a:r>
+            <a:r>
+              <a:rPr lang="lv-LV" i="1" dirty="0" smtClean="0">
+                <a:solidFill>
+                  <a:srgbClr val="FF0000"/>
+                </a:solidFill>
                 <a:latin typeface="Cambria Math" pitchFamily="18" charset="0"/>
                 <a:ea typeface="Cambria Math" pitchFamily="18" charset="0"/>
               </a:rPr>
-              <a:t> </a:t>
-            </a:r>
-            <a:r>
-              <a:rPr lang="en-US" dirty="0">
-                <a:latin typeface="Cambria Math"/>
-                <a:ea typeface="Cambria Math"/>
-              </a:rPr>
-              <a:t>→ </a:t>
-            </a:r>
-            <a:r>
-              <a:rPr lang="en-US" i="1" dirty="0" smtClean="0">
+              <a:t>not</a:t>
+            </a:r>
+            <a:r>
+              <a:rPr lang="lv-LV" i="1" dirty="0" smtClean="0">
                 <a:latin typeface="Cambria Math" pitchFamily="18" charset="0"/>
                 <a:ea typeface="Cambria Math" pitchFamily="18" charset="0"/>
               </a:rPr>
-              <a:t>p</a:t>
+              <a:t> the case that one does </a:t>
+            </a:r>
+            <a:r>
+              <a:rPr lang="lv-LV" i="1" dirty="0" smtClean="0">
+                <a:solidFill>
+                  <a:srgbClr val="FF0000"/>
+                </a:solidFill>
+                <a:latin typeface="Cambria Math" pitchFamily="18" charset="0"/>
+                <a:ea typeface="Cambria Math" pitchFamily="18" charset="0"/>
+              </a:rPr>
+              <a:t>not</a:t>
+            </a:r>
+            <a:r>
+              <a:rPr lang="lv-LV" i="1" dirty="0" smtClean="0">
+                <a:latin typeface="Cambria Math" pitchFamily="18" charset="0"/>
+                <a:ea typeface="Cambria Math" pitchFamily="18" charset="0"/>
+              </a:rPr>
+              <a:t> celebrate Christmas</a:t>
             </a:r>
             <a:r>
               <a:rPr lang="lv-LV" dirty="0" smtClean="0">
                 <a:latin typeface="Cambria Math" pitchFamily="18" charset="0"/>
                 <a:ea typeface="Cambria Math" pitchFamily="18" charset="0"/>
               </a:rPr>
-              <a:t>)</a:t>
-            </a:r>
-            <a:r>
-              <a:rPr lang="lv-LV" i="1" dirty="0" smtClean="0">
-                <a:latin typeface="Cambria Math" pitchFamily="18" charset="0"/>
-                <a:ea typeface="Cambria Math" pitchFamily="18" charset="0"/>
-              </a:rPr>
-              <a:t>): </a:t>
-            </a:r>
-            <a:endParaRPr lang="lv-LV" dirty="0" smtClean="0"/>
-          </a:p>
-          <a:p>
-            <a:pPr marL="0" indent="0">
-              <a:buNone/>
-            </a:pPr>
-            <a:r>
-              <a:rPr lang="lv-LV" b="1" dirty="0" smtClean="0"/>
-              <a:t/>
-            </a:r>
-            <a:br>
-              <a:rPr lang="lv-LV" b="1" dirty="0" smtClean="0"/>
-            </a:br>
-            <a:r>
-              <a:rPr lang="lv-LV" b="1" dirty="0" smtClean="0"/>
-              <a:t>Note: </a:t>
-            </a:r>
-            <a:r>
-              <a:rPr lang="lv-LV" dirty="0" smtClean="0"/>
-              <a:t>When you formulate counterpositive – avoid double negatives.</a:t>
-            </a:r>
-          </a:p>
-          <a:p>
-            <a:pPr marL="0" indent="0">
-              <a:buNone/>
-            </a:pPr>
-            <a:endParaRPr lang="lv-LV" dirty="0" smtClean="0"/>
+              <a:t>" etc. – such expressions should be avoided.)</a:t>
+            </a:r>
           </a:p>
         </p:txBody>
       </p:sp>
@@ -15126,7 +15260,15 @@
             </a:pPr>
             <a:r>
               <a:rPr lang="lv-LV" b="1" dirty="0" smtClean="0"/>
-              <a:t>Formulate in two ways (using original and counterpositive): </a:t>
+              <a:t>Formulate in two ways (using original and </a:t>
+            </a:r>
+            <a:r>
+              <a:rPr lang="lv-LV" b="1" dirty="0" smtClean="0"/>
+              <a:t>contrapositive</a:t>
+            </a:r>
+            <a:r>
+              <a:rPr lang="lv-LV" b="1" dirty="0" smtClean="0"/>
+              <a:t>): </a:t>
             </a:r>
           </a:p>
           <a:p>
@@ -15153,7 +15295,15 @@
             </a:pPr>
             <a:r>
               <a:rPr lang="lv-LV" b="1" dirty="0"/>
-              <a:t>Formulate in two ways (using original and counterpositive): </a:t>
+              <a:t>Formulate in two ways (using original and </a:t>
+            </a:r>
+            <a:r>
+              <a:rPr lang="lv-LV" b="1" dirty="0" smtClean="0"/>
+              <a:t>contrapositive</a:t>
+            </a:r>
+            <a:r>
+              <a:rPr lang="lv-LV" b="1" dirty="0"/>
+              <a:t>): </a:t>
             </a:r>
           </a:p>
           <a:p>
